--- a/papers/Case2016/pictures/pdf/SetUp.pptx
+++ b/papers/Case2016/pictures/pdf/SetUp.pptx
@@ -288,7 +288,7 @@
           <a:p>
             <a:fld id="{F694978D-A894-E24D-9868-C9A03761E7E6}" type="datetimeFigureOut">
               <a:rPr lang="en-US" smtClean="0"/>
-              <a:t>3/28/16</a:t>
+              <a:t>7/6/16</a:t>
             </a:fld>
             <a:endParaRPr lang="en-US"/>
           </a:p>
@@ -458,7 +458,7 @@
           <a:p>
             <a:fld id="{F694978D-A894-E24D-9868-C9A03761E7E6}" type="datetimeFigureOut">
               <a:rPr lang="en-US" smtClean="0"/>
-              <a:t>3/28/16</a:t>
+              <a:t>7/6/16</a:t>
             </a:fld>
             <a:endParaRPr lang="en-US"/>
           </a:p>
@@ -638,7 +638,7 @@
           <a:p>
             <a:fld id="{F694978D-A894-E24D-9868-C9A03761E7E6}" type="datetimeFigureOut">
               <a:rPr lang="en-US" smtClean="0"/>
-              <a:t>3/28/16</a:t>
+              <a:t>7/6/16</a:t>
             </a:fld>
             <a:endParaRPr lang="en-US"/>
           </a:p>
@@ -808,7 +808,7 @@
           <a:p>
             <a:fld id="{F694978D-A894-E24D-9868-C9A03761E7E6}" type="datetimeFigureOut">
               <a:rPr lang="en-US" smtClean="0"/>
-              <a:t>3/28/16</a:t>
+              <a:t>7/6/16</a:t>
             </a:fld>
             <a:endParaRPr lang="en-US"/>
           </a:p>
@@ -1054,7 +1054,7 @@
           <a:p>
             <a:fld id="{F694978D-A894-E24D-9868-C9A03761E7E6}" type="datetimeFigureOut">
               <a:rPr lang="en-US" smtClean="0"/>
-              <a:t>3/28/16</a:t>
+              <a:t>7/6/16</a:t>
             </a:fld>
             <a:endParaRPr lang="en-US"/>
           </a:p>
@@ -1342,7 +1342,7 @@
           <a:p>
             <a:fld id="{F694978D-A894-E24D-9868-C9A03761E7E6}" type="datetimeFigureOut">
               <a:rPr lang="en-US" smtClean="0"/>
-              <a:t>3/28/16</a:t>
+              <a:t>7/6/16</a:t>
             </a:fld>
             <a:endParaRPr lang="en-US"/>
           </a:p>
@@ -1764,7 +1764,7 @@
           <a:p>
             <a:fld id="{F694978D-A894-E24D-9868-C9A03761E7E6}" type="datetimeFigureOut">
               <a:rPr lang="en-US" smtClean="0"/>
-              <a:t>3/28/16</a:t>
+              <a:t>7/6/16</a:t>
             </a:fld>
             <a:endParaRPr lang="en-US"/>
           </a:p>
@@ -1882,7 +1882,7 @@
           <a:p>
             <a:fld id="{F694978D-A894-E24D-9868-C9A03761E7E6}" type="datetimeFigureOut">
               <a:rPr lang="en-US" smtClean="0"/>
-              <a:t>3/28/16</a:t>
+              <a:t>7/6/16</a:t>
             </a:fld>
             <a:endParaRPr lang="en-US"/>
           </a:p>
@@ -1977,7 +1977,7 @@
           <a:p>
             <a:fld id="{F694978D-A894-E24D-9868-C9A03761E7E6}" type="datetimeFigureOut">
               <a:rPr lang="en-US" smtClean="0"/>
-              <a:t>3/28/16</a:t>
+              <a:t>7/6/16</a:t>
             </a:fld>
             <a:endParaRPr lang="en-US"/>
           </a:p>
@@ -2254,7 +2254,7 @@
           <a:p>
             <a:fld id="{F694978D-A894-E24D-9868-C9A03761E7E6}" type="datetimeFigureOut">
               <a:rPr lang="en-US" smtClean="0"/>
-              <a:t>3/28/16</a:t>
+              <a:t>7/6/16</a:t>
             </a:fld>
             <a:endParaRPr lang="en-US"/>
           </a:p>
@@ -2507,7 +2507,7 @@
           <a:p>
             <a:fld id="{F694978D-A894-E24D-9868-C9A03761E7E6}" type="datetimeFigureOut">
               <a:rPr lang="en-US" smtClean="0"/>
-              <a:t>3/28/16</a:t>
+              <a:t>7/6/16</a:t>
             </a:fld>
             <a:endParaRPr lang="en-US"/>
           </a:p>
@@ -2720,7 +2720,7 @@
           <a:p>
             <a:fld id="{F694978D-A894-E24D-9868-C9A03761E7E6}" type="datetimeFigureOut">
               <a:rPr lang="en-US" smtClean="0"/>
-              <a:t>3/28/16</a:t>
+              <a:t>7/6/16</a:t>
             </a:fld>
             <a:endParaRPr lang="en-US"/>
           </a:p>
@@ -3177,7 +3177,7 @@
         </p:nvSpPr>
         <p:spPr>
           <a:xfrm>
-            <a:off x="3747842" y="2500566"/>
+            <a:off x="3485791" y="2496476"/>
             <a:ext cx="2056841" cy="369332"/>
           </a:xfrm>
           <a:prstGeom prst="rect">
@@ -3215,7 +3215,7 @@
         </p:nvCxnSpPr>
         <p:spPr>
           <a:xfrm flipV="1">
-            <a:off x="4776263" y="1692073"/>
+            <a:off x="4514212" y="1687983"/>
             <a:ext cx="627112" cy="808493"/>
           </a:xfrm>
           <a:prstGeom prst="straightConnector1">
@@ -3546,7 +3546,7 @@
         </p:nvSpPr>
         <p:spPr>
           <a:xfrm>
-            <a:off x="5286001" y="3428809"/>
+            <a:off x="4897774" y="3085624"/>
             <a:ext cx="1037363" cy="369332"/>
           </a:xfrm>
           <a:prstGeom prst="rect">
@@ -3762,7 +3762,7 @@
         </p:blipFill>
         <p:spPr>
           <a:xfrm>
-            <a:off x="5595061" y="2531414"/>
+            <a:off x="5130013" y="2007248"/>
             <a:ext cx="2266729" cy="2902785"/>
           </a:xfrm>
           <a:prstGeom prst="rect">
@@ -3800,98 +3800,6 @@
           </a:prstGeom>
         </p:spPr>
       </p:pic>
-      <p:sp>
-        <p:nvSpPr>
-          <p:cNvPr id="77" name="Arc 76"/>
-          <p:cNvSpPr/>
-          <p:nvPr/>
-        </p:nvSpPr>
-        <p:spPr>
-          <a:xfrm>
-            <a:off x="5165361" y="3526499"/>
-            <a:ext cx="639322" cy="833872"/>
-          </a:xfrm>
-          <a:prstGeom prst="arc">
-            <a:avLst>
-              <a:gd name="adj1" fmla="val 19614026"/>
-              <a:gd name="adj2" fmla="val 7030606"/>
-            </a:avLst>
-          </a:prstGeom>
-          <a:ln>
-            <a:solidFill>
-              <a:schemeClr val="tx1"/>
-            </a:solidFill>
-          </a:ln>
-        </p:spPr>
-        <p:style>
-          <a:lnRef idx="2">
-            <a:schemeClr val="accent1"/>
-          </a:lnRef>
-          <a:fillRef idx="0">
-            <a:schemeClr val="accent1"/>
-          </a:fillRef>
-          <a:effectRef idx="1">
-            <a:schemeClr val="accent1"/>
-          </a:effectRef>
-          <a:fontRef idx="minor">
-            <a:schemeClr val="tx1"/>
-          </a:fontRef>
-        </p:style>
-        <p:txBody>
-          <a:bodyPr rtlCol="0" anchor="ctr"/>
-          <a:lstStyle/>
-          <a:p>
-            <a:pPr algn="ctr"/>
-            <a:endParaRPr lang="en-US"/>
-          </a:p>
-        </p:txBody>
-      </p:sp>
-      <p:sp>
-        <p:nvSpPr>
-          <p:cNvPr id="78" name="Arc 77"/>
-          <p:cNvSpPr/>
-          <p:nvPr/>
-        </p:nvSpPr>
-        <p:spPr>
-          <a:xfrm rot="9311364">
-            <a:off x="5285877" y="3988057"/>
-            <a:ext cx="847335" cy="760786"/>
-          </a:xfrm>
-          <a:prstGeom prst="arc">
-            <a:avLst>
-              <a:gd name="adj1" fmla="val 16200000"/>
-              <a:gd name="adj2" fmla="val 1587971"/>
-            </a:avLst>
-          </a:prstGeom>
-          <a:ln>
-            <a:solidFill>
-              <a:schemeClr val="tx1"/>
-            </a:solidFill>
-          </a:ln>
-        </p:spPr>
-        <p:style>
-          <a:lnRef idx="2">
-            <a:schemeClr val="accent1"/>
-          </a:lnRef>
-          <a:fillRef idx="0">
-            <a:schemeClr val="accent1"/>
-          </a:fillRef>
-          <a:effectRef idx="1">
-            <a:schemeClr val="accent1"/>
-          </a:effectRef>
-          <a:fontRef idx="minor">
-            <a:schemeClr val="tx1"/>
-          </a:fontRef>
-        </p:style>
-        <p:txBody>
-          <a:bodyPr rtlCol="0" anchor="ctr"/>
-          <a:lstStyle/>
-          <a:p>
-            <a:pPr algn="ctr"/>
-            <a:endParaRPr lang="en-US"/>
-          </a:p>
-        </p:txBody>
-      </p:sp>
       <p:cxnSp>
         <p:nvCxnSpPr>
           <p:cNvPr id="24" name="Straight Arrow Connector 23"/>
@@ -3957,10 +3865,6 @@
               </a:rPr>
               <a:t>Pivot</a:t>
             </a:r>
-            <a:endParaRPr lang="en-US" dirty="0" smtClean="0">
-              <a:latin typeface="Times"/>
-              <a:cs typeface="Times"/>
-            </a:endParaRPr>
           </a:p>
         </p:txBody>
       </p:sp>
@@ -4029,9 +3933,241 @@
               </a:rPr>
               <a:t>Large-aspect-ratio rectangle</a:t>
             </a:r>
-            <a:endParaRPr lang="en-US" dirty="0" smtClean="0">
-              <a:latin typeface="Times"/>
-              <a:cs typeface="Times"/>
+          </a:p>
+        </p:txBody>
+      </p:sp>
+      <p:sp>
+        <p:nvSpPr>
+          <p:cNvPr id="31" name="Oval 3"/>
+          <p:cNvSpPr>
+            <a:spLocks noChangeArrowheads="1"/>
+          </p:cNvSpPr>
+          <p:nvPr/>
+        </p:nvSpPr>
+        <p:spPr bwMode="auto">
+          <a:xfrm>
+            <a:off x="4966372" y="2071989"/>
+            <a:ext cx="2713983" cy="2713640"/>
+          </a:xfrm>
+          <a:prstGeom prst="ellipse">
+            <a:avLst/>
+          </a:prstGeom>
+          <a:noFill/>
+          <a:ln w="9525">
+            <a:solidFill>
+              <a:schemeClr val="tx1"/>
+            </a:solidFill>
+            <a:round/>
+            <a:headEnd/>
+            <a:tailEnd/>
+          </a:ln>
+          <a:extLst>
+            <a:ext uri="{909E8E84-426E-40dd-AFC4-6F175D3DCCD1}">
+              <a14:hiddenFill xmlns:a14="http://schemas.microsoft.com/office/drawing/2010/main">
+                <a:solidFill>
+                  <a:srgbClr val="FFFFFF"/>
+                </a:solidFill>
+              </a14:hiddenFill>
+            </a:ext>
+          </a:extLst>
+        </p:spPr>
+        <p:txBody>
+          <a:bodyPr/>
+          <a:lstStyle/>
+          <a:p>
+            <a:endParaRPr lang="en-US">
+              <a:ea typeface="ＭＳ Ｐゴシック" charset="0"/>
+              <a:cs typeface="ＭＳ Ｐゴシック" charset="0"/>
+            </a:endParaRPr>
+          </a:p>
+        </p:txBody>
+      </p:sp>
+      <p:sp>
+        <p:nvSpPr>
+          <p:cNvPr id="32" name="Oval 25"/>
+          <p:cNvSpPr>
+            <a:spLocks noChangeArrowheads="1"/>
+          </p:cNvSpPr>
+          <p:nvPr/>
+        </p:nvSpPr>
+        <p:spPr bwMode="auto">
+          <a:xfrm flipV="1">
+            <a:off x="4468493" y="4454715"/>
+            <a:ext cx="45719" cy="45719"/>
+          </a:xfrm>
+          <a:prstGeom prst="ellipse">
+            <a:avLst/>
+          </a:prstGeom>
+          <a:noFill/>
+          <a:ln w="9525">
+            <a:solidFill>
+              <a:schemeClr val="tx1"/>
+            </a:solidFill>
+            <a:round/>
+            <a:headEnd/>
+            <a:tailEnd/>
+          </a:ln>
+          <a:extLst>
+            <a:ext uri="{909E8E84-426E-40dd-AFC4-6F175D3DCCD1}">
+              <a14:hiddenFill xmlns:a14="http://schemas.microsoft.com/office/drawing/2010/main">
+                <a:solidFill>
+                  <a:srgbClr val="FFFFFF"/>
+                </a:solidFill>
+              </a14:hiddenFill>
+            </a:ext>
+          </a:extLst>
+        </p:spPr>
+        <p:txBody>
+          <a:bodyPr/>
+          <a:lstStyle/>
+          <a:p>
+            <a:endParaRPr lang="en-US">
+              <a:ea typeface="ＭＳ Ｐゴシック" charset="0"/>
+              <a:cs typeface="ＭＳ Ｐゴシック" charset="0"/>
+            </a:endParaRPr>
+          </a:p>
+        </p:txBody>
+      </p:sp>
+      <p:cxnSp>
+        <p:nvCxnSpPr>
+          <p:cNvPr id="34" name="Straight Connector 5"/>
+          <p:cNvCxnSpPr>
+            <a:cxnSpLocks noChangeShapeType="1"/>
+            <a:stCxn id="31" idx="2"/>
+            <a:endCxn id="32" idx="4"/>
+          </p:cNvCxnSpPr>
+          <p:nvPr/>
+        </p:nvCxnSpPr>
+        <p:spPr bwMode="auto">
+          <a:xfrm flipH="1">
+            <a:off x="4491353" y="3428809"/>
+            <a:ext cx="475019" cy="1025906"/>
+          </a:xfrm>
+          <a:prstGeom prst="line">
+            <a:avLst/>
+          </a:prstGeom>
+          <a:noFill/>
+          <a:ln w="9525">
+            <a:solidFill>
+              <a:schemeClr val="tx1"/>
+            </a:solidFill>
+            <a:round/>
+            <a:headEnd/>
+            <a:tailEnd/>
+          </a:ln>
+          <a:extLst>
+            <a:ext uri="{909E8E84-426E-40dd-AFC4-6F175D3DCCD1}">
+              <a14:hiddenFill xmlns:a14="http://schemas.microsoft.com/office/drawing/2010/main">
+                <a:noFill/>
+              </a14:hiddenFill>
+            </a:ext>
+          </a:extLst>
+        </p:spPr>
+      </p:cxnSp>
+      <p:cxnSp>
+        <p:nvCxnSpPr>
+          <p:cNvPr id="35" name="Straight Connector 28"/>
+          <p:cNvCxnSpPr>
+            <a:cxnSpLocks noChangeShapeType="1"/>
+            <a:endCxn id="31" idx="4"/>
+          </p:cNvCxnSpPr>
+          <p:nvPr/>
+        </p:nvCxnSpPr>
+        <p:spPr bwMode="auto">
+          <a:xfrm>
+            <a:off x="4514212" y="4509388"/>
+            <a:ext cx="1809152" cy="276241"/>
+          </a:xfrm>
+          <a:prstGeom prst="line">
+            <a:avLst/>
+          </a:prstGeom>
+          <a:noFill/>
+          <a:ln w="9525">
+            <a:solidFill>
+              <a:schemeClr val="tx1"/>
+            </a:solidFill>
+            <a:round/>
+            <a:headEnd/>
+            <a:tailEnd/>
+          </a:ln>
+          <a:extLst>
+            <a:ext uri="{909E8E84-426E-40dd-AFC4-6F175D3DCCD1}">
+              <a14:hiddenFill xmlns:a14="http://schemas.microsoft.com/office/drawing/2010/main">
+                <a:noFill/>
+              </a14:hiddenFill>
+            </a:ext>
+          </a:extLst>
+        </p:spPr>
+      </p:cxnSp>
+      <p:cxnSp>
+        <p:nvCxnSpPr>
+          <p:cNvPr id="7" name="Straight Connector 6"/>
+          <p:cNvCxnSpPr/>
+          <p:nvPr/>
+        </p:nvCxnSpPr>
+        <p:spPr>
+          <a:xfrm>
+            <a:off x="7680355" y="2299485"/>
+            <a:ext cx="0" cy="2285735"/>
+          </a:xfrm>
+          <a:prstGeom prst="line">
+            <a:avLst/>
+          </a:prstGeom>
+          <a:ln>
+            <a:solidFill>
+              <a:schemeClr val="tx1"/>
+            </a:solidFill>
+            <a:headEnd type="diamond"/>
+            <a:tailEnd type="diamond"/>
+          </a:ln>
+        </p:spPr>
+        <p:style>
+          <a:lnRef idx="2">
+            <a:schemeClr val="accent1"/>
+          </a:lnRef>
+          <a:fillRef idx="0">
+            <a:schemeClr val="accent1"/>
+          </a:fillRef>
+          <a:effectRef idx="1">
+            <a:schemeClr val="accent1"/>
+          </a:effectRef>
+          <a:fontRef idx="minor">
+            <a:schemeClr val="tx1"/>
+          </a:fontRef>
+        </p:style>
+      </p:cxnSp>
+      <p:sp>
+        <p:nvSpPr>
+          <p:cNvPr id="10" name="TextBox 9"/>
+          <p:cNvSpPr txBox="1"/>
+          <p:nvPr/>
+        </p:nvSpPr>
+        <p:spPr>
+          <a:xfrm>
+            <a:off x="7102164" y="1789771"/>
+            <a:ext cx="1156381" cy="369332"/>
+          </a:xfrm>
+          <a:prstGeom prst="rect">
+            <a:avLst/>
+          </a:prstGeom>
+          <a:noFill/>
+        </p:spPr>
+        <p:txBody>
+          <a:bodyPr wrap="square" rtlCol="0">
+            <a:spAutoFit/>
+          </a:bodyPr>
+          <a:lstStyle/>
+          <a:p>
+            <a:r>
+              <a:rPr lang="en-US" dirty="0" smtClean="0">
+                <a:latin typeface="Times New Roman"/>
+                <a:cs typeface="Times New Roman"/>
+              </a:rPr>
+              <a:t>3 cm</a:t>
+            </a:r>
+            <a:endParaRPr lang="en-US" dirty="0">
+              <a:latin typeface="Times New Roman"/>
+              <a:cs typeface="Times New Roman"/>
             </a:endParaRPr>
           </a:p>
         </p:txBody>
